--- a/769_Project_Final.pptx
+++ b/769_Project_Final.pptx
@@ -45,7 +45,7 @@
   <p:notesSz cx="6858000" cy="9144000"/>
   <p:embeddedFontLst>
     <p:embeddedFont>
-      <p:font typeface="Lato" panose="020F0502020204030203" pitchFamily="34" charset="0"/>
+      <p:font typeface="Lato" panose="020F0502020204030204" pitchFamily="34" charset="0"/>
       <p:regular r:id="rId35"/>
       <p:bold r:id="rId36"/>
       <p:italic r:id="rId37"/>
@@ -303,6 +303,35 @@
     </p:ext>
   </p:extLst>
 </p:presentation>
+</file>
+
+<file path=ppt/changesInfos/changesInfo1.xml><?xml version="1.0" encoding="utf-8"?>
+<pc:chgInfo xmlns:a="http://schemas.openxmlformats.org/drawingml/2006/main" xmlns:r="http://schemas.openxmlformats.org/officeDocument/2006/relationships" xmlns:ac="http://schemas.microsoft.com/office/drawing/2013/main/command" xmlns:pc="http://schemas.microsoft.com/office/powerpoint/2013/main/command">
+  <pc:docChgLst>
+    <pc:chgData name="harikrishna shenoy" userId="ffca22ffa04105b2" providerId="LiveId" clId="{8AB34780-55BC-48E2-96A2-A750FD3B224C}"/>
+    <pc:docChg chg="modSld">
+      <pc:chgData name="harikrishna shenoy" userId="ffca22ffa04105b2" providerId="LiveId" clId="{8AB34780-55BC-48E2-96A2-A750FD3B224C}" dt="2023-08-02T17:10:17.579" v="0" actId="1076"/>
+      <pc:docMkLst>
+        <pc:docMk/>
+      </pc:docMkLst>
+      <pc:sldChg chg="modSp mod">
+        <pc:chgData name="harikrishna shenoy" userId="ffca22ffa04105b2" providerId="LiveId" clId="{8AB34780-55BC-48E2-96A2-A750FD3B224C}" dt="2023-08-02T17:10:17.579" v="0" actId="1076"/>
+        <pc:sldMkLst>
+          <pc:docMk/>
+          <pc:sldMk cId="0" sldId="256"/>
+        </pc:sldMkLst>
+        <pc:spChg chg="mod">
+          <ac:chgData name="harikrishna shenoy" userId="ffca22ffa04105b2" providerId="LiveId" clId="{8AB34780-55BC-48E2-96A2-A750FD3B224C}" dt="2023-08-02T17:10:17.579" v="0" actId="1076"/>
+          <ac:spMkLst>
+            <pc:docMk/>
+            <pc:sldMk cId="0" sldId="256"/>
+            <ac:spMk id="54" creationId="{00000000-0000-0000-0000-000000000000}"/>
+          </ac:spMkLst>
+        </pc:spChg>
+      </pc:sldChg>
+    </pc:docChg>
+  </pc:docChgLst>
+</pc:chgInfo>
 </file>
 
 <file path=ppt/notesMasters/notesMaster1.xml><?xml version="1.0" encoding="utf-8"?>
@@ -775,8 +804,8 @@
         </p:nvSpPr>
         <p:spPr>
           <a:xfrm>
-            <a:off x="381300" y="685800"/>
-            <a:ext cx="6096075" cy="3429000"/>
+            <a:off x="381000" y="685800"/>
+            <a:ext cx="6096000" cy="3429000"/>
           </a:xfrm>
           <a:custGeom>
             <a:avLst/>
@@ -8852,7 +8881,7 @@
         </p:nvSpPr>
         <p:spPr>
           <a:xfrm>
-            <a:off x="311708" y="744575"/>
+            <a:off x="311700" y="682425"/>
             <a:ext cx="8520600" cy="2052600"/>
           </a:xfrm>
           <a:prstGeom prst="rect">
@@ -8880,7 +8909,7 @@
               <a:buNone/>
             </a:pPr>
             <a:r>
-              <a:rPr lang="en" sz="3300">
+              <a:rPr lang="en" sz="3300" dirty="0">
                 <a:latin typeface="Oswald"/>
                 <a:ea typeface="Oswald"/>
                 <a:cs typeface="Oswald"/>
@@ -8888,7 +8917,7 @@
               </a:rPr>
               <a:t>The Convex Optimization Approach to Regret</a:t>
             </a:r>
-            <a:endParaRPr sz="3300">
+            <a:endParaRPr sz="3300" dirty="0">
               <a:latin typeface="Oswald"/>
               <a:ea typeface="Oswald"/>
               <a:cs typeface="Oswald"/>
@@ -8906,7 +8935,7 @@
               <a:buNone/>
             </a:pPr>
             <a:r>
-              <a:rPr lang="en" sz="3300">
+              <a:rPr lang="en" sz="3300" dirty="0">
                 <a:latin typeface="Oswald"/>
                 <a:ea typeface="Oswald"/>
                 <a:cs typeface="Oswald"/>
@@ -8914,7 +8943,7 @@
               </a:rPr>
               <a:t>Minimization</a:t>
             </a:r>
-            <a:endParaRPr sz="3300">
+            <a:endParaRPr sz="3300" dirty="0">
               <a:latin typeface="Oswald"/>
               <a:ea typeface="Oswald"/>
               <a:cs typeface="Oswald"/>
@@ -8931,7 +8960,7 @@
               </a:spcAft>
               <a:buNone/>
             </a:pPr>
-            <a:endParaRPr sz="3300">
+            <a:endParaRPr sz="3300" dirty="0">
               <a:latin typeface="Oswald"/>
               <a:ea typeface="Oswald"/>
               <a:cs typeface="Oswald"/>
